--- a/studies/Laborstudie ProVisioNET/Scripts/2_script_provisionet_AL.pptx
+++ b/studies/Laborstudie ProVisioNET/Scripts/2_script_provisionet_AL.pptx
@@ -365,7 +365,7 @@
             <a:fld id="{87DE6118-2437-4B30-8E3C-4D2BE6020583}" type="datetimeFigureOut">
               <a:rPr lang="en-US" smtClean="0"/>
               <a:pPr/>
-              <a:t>6/4/2021</a:t>
+              <a:t>6/11/2021</a:t>
             </a:fld>
             <a:endParaRPr lang="en-US" dirty="0"/>
           </a:p>
@@ -582,7 +582,7 @@
           <a:p>
             <a:fld id="{87DE6118-2437-4B30-8E3C-4D2BE6020583}" type="datetimeFigureOut">
               <a:rPr lang="en-US" smtClean="0"/>
-              <a:t>6/4/2021</a:t>
+              <a:t>6/11/2021</a:t>
             </a:fld>
             <a:endParaRPr lang="en-US" dirty="0"/>
           </a:p>
@@ -846,7 +846,7 @@
           <a:p>
             <a:fld id="{87DE6118-2437-4B30-8E3C-4D2BE6020583}" type="datetimeFigureOut">
               <a:rPr lang="en-US" smtClean="0"/>
-              <a:t>6/4/2021</a:t>
+              <a:t>6/11/2021</a:t>
             </a:fld>
             <a:endParaRPr lang="en-US" dirty="0"/>
           </a:p>
@@ -1024,7 +1024,7 @@
           <a:p>
             <a:fld id="{87DE6118-2437-4B30-8E3C-4D2BE6020583}" type="datetimeFigureOut">
               <a:rPr lang="en-US" smtClean="0"/>
-              <a:t>6/4/2021</a:t>
+              <a:t>6/11/2021</a:t>
             </a:fld>
             <a:endParaRPr lang="en-US" dirty="0"/>
           </a:p>
@@ -1376,7 +1376,7 @@
             <a:fld id="{87DE6118-2437-4B30-8E3C-4D2BE6020583}" type="datetimeFigureOut">
               <a:rPr lang="en-US" smtClean="0"/>
               <a:pPr/>
-              <a:t>6/4/2021</a:t>
+              <a:t>6/11/2021</a:t>
             </a:fld>
             <a:endParaRPr lang="en-US" dirty="0"/>
           </a:p>
@@ -1660,7 +1660,7 @@
           <a:p>
             <a:fld id="{87DE6118-2437-4B30-8E3C-4D2BE6020583}" type="datetimeFigureOut">
               <a:rPr lang="en-US" smtClean="0"/>
-              <a:t>6/4/2021</a:t>
+              <a:t>6/11/2021</a:t>
             </a:fld>
             <a:endParaRPr lang="en-US" dirty="0"/>
           </a:p>
@@ -2047,7 +2047,7 @@
           <a:p>
             <a:fld id="{87DE6118-2437-4B30-8E3C-4D2BE6020583}" type="datetimeFigureOut">
               <a:rPr lang="en-US" smtClean="0"/>
-              <a:t>6/4/2021</a:t>
+              <a:t>6/11/2021</a:t>
             </a:fld>
             <a:endParaRPr lang="en-US" dirty="0"/>
           </a:p>
@@ -2173,7 +2173,7 @@
           <a:p>
             <a:fld id="{87DE6118-2437-4B30-8E3C-4D2BE6020583}" type="datetimeFigureOut">
               <a:rPr lang="en-US" smtClean="0"/>
-              <a:t>6/4/2021</a:t>
+              <a:t>6/11/2021</a:t>
             </a:fld>
             <a:endParaRPr lang="en-US" dirty="0"/>
           </a:p>
@@ -2352,7 +2352,7 @@
           <a:p>
             <a:fld id="{87DE6118-2437-4B30-8E3C-4D2BE6020583}" type="datetimeFigureOut">
               <a:rPr lang="en-US" smtClean="0"/>
-              <a:t>6/4/2021</a:t>
+              <a:t>6/11/2021</a:t>
             </a:fld>
             <a:endParaRPr lang="en-US" dirty="0"/>
           </a:p>
@@ -2715,7 +2715,7 @@
             <a:fld id="{87DE6118-2437-4B30-8E3C-4D2BE6020583}" type="datetimeFigureOut">
               <a:rPr lang="en-US" smtClean="0"/>
               <a:pPr/>
-              <a:t>6/4/2021</a:t>
+              <a:t>6/11/2021</a:t>
             </a:fld>
             <a:endParaRPr lang="en-US" dirty="0"/>
           </a:p>
@@ -3102,7 +3102,7 @@
             <a:fld id="{87DE6118-2437-4B30-8E3C-4D2BE6020583}" type="datetimeFigureOut">
               <a:rPr lang="en-US" smtClean="0"/>
               <a:pPr/>
-              <a:t>6/4/2021</a:t>
+              <a:t>6/11/2021</a:t>
             </a:fld>
             <a:endParaRPr lang="en-US" dirty="0"/>
           </a:p>
@@ -3399,7 +3399,7 @@
             <a:fld id="{87DE6118-2437-4B30-8E3C-4D2BE6020583}" type="datetimeFigureOut">
               <a:rPr lang="en-US" smtClean="0"/>
               <a:pPr/>
-              <a:t>6/4/2021</a:t>
+              <a:t>6/11/2021</a:t>
             </a:fld>
             <a:endParaRPr lang="en-US" dirty="0"/>
           </a:p>
@@ -4178,13 +4178,16 @@
           <a:p>
             <a:r>
               <a:rPr lang="de-DE" sz="2000" dirty="0"/>
-              <a:t>Person A flüstert leise mit </a:t>
+              <a:t>Anna flüstert leise mit </a:t>
             </a:r>
             <a:r>
               <a:rPr lang="de-DE" sz="2000" dirty="0" err="1"/>
               <a:t>Banknachbar:in</a:t>
             </a:r>
-            <a:endParaRPr lang="de-DE" sz="2000" dirty="0"/>
+            <a:r>
+              <a:rPr lang="de-DE" sz="2000" dirty="0"/>
+              <a:t>.</a:t>
+            </a:r>
           </a:p>
         </p:txBody>
       </p:sp>
@@ -4399,15 +4402,19 @@
           <a:bodyPr rtlCol="0" anchor="ctr"/>
           <a:lstStyle/>
           <a:p>
-            <a:r>
-              <a:rPr lang="de-DE" sz="4400" dirty="0"/>
-              <a:t>Person A flüstert leise mit </a:t>
-            </a:r>
-            <a:r>
-              <a:rPr lang="de-DE" sz="4400" dirty="0" err="1"/>
+            <a:pPr algn="ctr"/>
+            <a:r>
+              <a:rPr lang="de-DE" sz="5400" dirty="0"/>
+              <a:t>Anna flüstert leise mit </a:t>
+            </a:r>
+            <a:r>
+              <a:rPr lang="de-DE" sz="5400" dirty="0" err="1"/>
               <a:t>Banknachbar:in</a:t>
             </a:r>
-            <a:endParaRPr lang="de-DE" sz="4400" dirty="0"/>
+            <a:r>
+              <a:rPr lang="de-DE" sz="5400" dirty="0"/>
+              <a:t>.</a:t>
+            </a:r>
           </a:p>
         </p:txBody>
       </p:sp>
@@ -4461,10 +4468,10 @@
           <a:lstStyle/>
           <a:p>
             <a:r>
-              <a:rPr lang="de-DE" dirty="0"/>
-              <a:t>Person B legt Kopf auf Tisch und schläft</a:t>
-            </a:r>
-            <a:endParaRPr lang="de-DE" sz="1600" i="1" dirty="0"/>
+              <a:rPr lang="de-DE" sz="2000" dirty="0"/>
+              <a:t>Bianca legt Kopf auf Tisch und schläft.</a:t>
+            </a:r>
+            <a:endParaRPr lang="de-DE" sz="2000" i="1" dirty="0"/>
           </a:p>
         </p:txBody>
       </p:sp>
@@ -4840,10 +4847,10 @@
           <a:lstStyle/>
           <a:p>
             <a:r>
-              <a:rPr lang="de-DE" dirty="0"/>
-              <a:t>Person B legt Kopf auf Tisch und schläft</a:t>
-            </a:r>
-            <a:endParaRPr lang="de-DE" sz="1600" i="1" dirty="0"/>
+              <a:rPr lang="de-DE" sz="2000" dirty="0"/>
+              <a:t>Bianca legt Kopf auf Tisch und schläft.</a:t>
+            </a:r>
+            <a:endParaRPr lang="de-DE" i="1" dirty="0"/>
           </a:p>
         </p:txBody>
       </p:sp>
@@ -5058,11 +5065,12 @@
           <a:bodyPr rtlCol="0" anchor="ctr"/>
           <a:lstStyle/>
           <a:p>
-            <a:r>
-              <a:rPr lang="de-DE" sz="4000" dirty="0"/>
-              <a:t>Person B legt Kopf auf Tisch und schläft</a:t>
-            </a:r>
-            <a:endParaRPr lang="de-DE" sz="3600" i="1" dirty="0"/>
+            <a:pPr algn="ctr"/>
+            <a:r>
+              <a:rPr lang="de-DE" sz="5400" dirty="0"/>
+              <a:t>Bianca legt Kopf auf Tisch und schläft.</a:t>
+            </a:r>
+            <a:endParaRPr lang="de-DE" sz="5400" i="1" dirty="0"/>
           </a:p>
         </p:txBody>
       </p:sp>
@@ -5116,10 +5124,10 @@
           <a:lstStyle/>
           <a:p>
             <a:r>
-              <a:rPr lang="de-DE" dirty="0"/>
-              <a:t>Person C kritzelt auf einem Blatt herum</a:t>
-            </a:r>
-            <a:endParaRPr lang="de-DE" sz="1600" i="1" dirty="0"/>
+              <a:rPr lang="de-DE" sz="2000" dirty="0"/>
+              <a:t>Carl(a) kritzelt auf einem Blatt herum.</a:t>
+            </a:r>
+            <a:endParaRPr lang="de-DE" i="1" dirty="0"/>
           </a:p>
         </p:txBody>
       </p:sp>
@@ -5495,10 +5503,10 @@
           <a:lstStyle/>
           <a:p>
             <a:r>
-              <a:rPr lang="de-DE" dirty="0"/>
-              <a:t>Person C kritzelt auf einem Blatt herum</a:t>
-            </a:r>
-            <a:endParaRPr lang="de-DE" sz="1600" i="1" dirty="0"/>
+              <a:rPr lang="de-DE" sz="2000" dirty="0"/>
+              <a:t>Carl(a) kritzelt auf einem Blatt herum.</a:t>
+            </a:r>
+            <a:endParaRPr lang="de-DE" i="1" dirty="0"/>
           </a:p>
         </p:txBody>
       </p:sp>
@@ -5713,11 +5721,12 @@
           <a:bodyPr rtlCol="0" anchor="ctr"/>
           <a:lstStyle/>
           <a:p>
-            <a:r>
-              <a:rPr lang="de-DE" sz="4000" dirty="0"/>
-              <a:t>Person C kritzelt auf einem Blatt herum</a:t>
-            </a:r>
-            <a:endParaRPr lang="de-DE" sz="3600" i="1" dirty="0"/>
+            <a:pPr algn="ctr"/>
+            <a:r>
+              <a:rPr lang="de-DE" sz="5400" dirty="0"/>
+              <a:t>Carl(a) kritzelt auf einem Blatt herum.</a:t>
+            </a:r>
+            <a:endParaRPr lang="de-DE" sz="5400" i="1" dirty="0"/>
           </a:p>
         </p:txBody>
       </p:sp>
@@ -5771,10 +5780,10 @@
           <a:lstStyle/>
           <a:p>
             <a:r>
-              <a:rPr lang="de-DE" dirty="0"/>
-              <a:t>Person A trommelt mit den Fingern auf Tisch</a:t>
-            </a:r>
-            <a:endParaRPr lang="de-DE" sz="1600" i="1" dirty="0"/>
+              <a:rPr lang="de-DE" sz="2000" dirty="0"/>
+              <a:t>Anna trommelt mit den Fingern auf Tisch.</a:t>
+            </a:r>
+            <a:endParaRPr lang="de-DE" i="1" dirty="0"/>
           </a:p>
         </p:txBody>
       </p:sp>
@@ -6150,10 +6159,10 @@
           <a:lstStyle/>
           <a:p>
             <a:r>
-              <a:rPr lang="de-DE" dirty="0"/>
-              <a:t>Person A trommelt mit den Fingern auf Tisch</a:t>
-            </a:r>
-            <a:endParaRPr lang="de-DE" sz="1600" i="1" dirty="0"/>
+              <a:rPr lang="de-DE" sz="2000" dirty="0"/>
+              <a:t>Anna trommelt mit den Fingern auf Tisch.</a:t>
+            </a:r>
+            <a:endParaRPr lang="de-DE" i="1" dirty="0"/>
           </a:p>
         </p:txBody>
       </p:sp>
@@ -6368,11 +6377,12 @@
           <a:bodyPr rtlCol="0" anchor="ctr"/>
           <a:lstStyle/>
           <a:p>
-            <a:r>
-              <a:rPr lang="de-DE" sz="4000" dirty="0"/>
-              <a:t>Person A trommelt mit den Fingern auf Tisch</a:t>
-            </a:r>
-            <a:endParaRPr lang="de-DE" sz="3600" i="1" dirty="0"/>
+            <a:pPr algn="ctr"/>
+            <a:r>
+              <a:rPr lang="de-DE" sz="5400" dirty="0"/>
+              <a:t>Anna trommelt mit den Fingern auf Tisch.</a:t>
+            </a:r>
+            <a:endParaRPr lang="de-DE" sz="5400" i="1" dirty="0"/>
           </a:p>
         </p:txBody>
       </p:sp>
@@ -6426,10 +6436,10 @@
           <a:lstStyle/>
           <a:p>
             <a:r>
-              <a:rPr lang="de-DE" dirty="0"/>
-              <a:t>Person B liest Nachrichten auf dem Handy</a:t>
-            </a:r>
-            <a:endParaRPr lang="de-DE" sz="1600" i="1" dirty="0"/>
+              <a:rPr lang="de-DE" sz="2000" dirty="0"/>
+              <a:t>Bianca liest Nachrichten auf dem Handy.</a:t>
+            </a:r>
+            <a:endParaRPr lang="de-DE" i="1" dirty="0"/>
           </a:p>
         </p:txBody>
       </p:sp>
@@ -6805,10 +6815,10 @@
           <a:lstStyle/>
           <a:p>
             <a:r>
-              <a:rPr lang="de-DE" dirty="0"/>
-              <a:t>Person B liest Nachrichten auf dem Handy</a:t>
-            </a:r>
-            <a:endParaRPr lang="de-DE" sz="1600" i="1" dirty="0"/>
+              <a:rPr lang="de-DE" sz="2000" dirty="0"/>
+              <a:t>Bianca liest Nachrichten auf dem Handy.</a:t>
+            </a:r>
+            <a:endParaRPr lang="de-DE" i="1" dirty="0"/>
           </a:p>
         </p:txBody>
       </p:sp>
@@ -7023,11 +7033,12 @@
           <a:bodyPr rtlCol="0" anchor="ctr"/>
           <a:lstStyle/>
           <a:p>
-            <a:r>
-              <a:rPr lang="de-DE" sz="4000" dirty="0"/>
-              <a:t>Person B Nachrichten auf dem Handy</a:t>
-            </a:r>
-            <a:endParaRPr lang="de-DE" sz="3600" i="1" dirty="0"/>
+            <a:pPr algn="ctr"/>
+            <a:r>
+              <a:rPr lang="de-DE" sz="5400" dirty="0"/>
+              <a:t>Bianca Nachrichten auf dem Handy.</a:t>
+            </a:r>
+            <a:endParaRPr lang="de-DE" sz="5400" i="1" dirty="0"/>
           </a:p>
         </p:txBody>
       </p:sp>
@@ -7081,10 +7092,10 @@
           <a:lstStyle/>
           <a:p>
             <a:r>
-              <a:rPr lang="de-DE" dirty="0"/>
-              <a:t>Person A klickt mit Kugelschreiber</a:t>
-            </a:r>
-            <a:endParaRPr lang="de-DE" sz="1600" i="1" dirty="0"/>
+              <a:rPr lang="de-DE" sz="2000" dirty="0"/>
+              <a:t>Anna klickt mit Kugelschreiber.</a:t>
+            </a:r>
+            <a:endParaRPr lang="de-DE" i="1" dirty="0"/>
           </a:p>
         </p:txBody>
       </p:sp>
@@ -7528,10 +7539,10 @@
           <a:lstStyle/>
           <a:p>
             <a:r>
-              <a:rPr lang="de-DE" dirty="0"/>
-              <a:t>Person A klickt mit Kugelschreiber</a:t>
-            </a:r>
-            <a:endParaRPr lang="de-DE" sz="1600" i="1" dirty="0"/>
+              <a:rPr lang="de-DE" sz="2000" dirty="0"/>
+              <a:t>Anna klickt mit Kugelschreiber.</a:t>
+            </a:r>
+            <a:endParaRPr lang="de-DE" i="1" dirty="0"/>
           </a:p>
         </p:txBody>
       </p:sp>
@@ -7746,11 +7757,12 @@
           <a:bodyPr rtlCol="0" anchor="ctr"/>
           <a:lstStyle/>
           <a:p>
-            <a:r>
-              <a:rPr lang="de-DE" sz="4000" dirty="0"/>
-              <a:t>Person A klickt mit Kugelschreiber</a:t>
-            </a:r>
-            <a:endParaRPr lang="de-DE" sz="3600" i="1" dirty="0"/>
+            <a:pPr algn="ctr"/>
+            <a:r>
+              <a:rPr lang="de-DE" sz="5400" dirty="0"/>
+              <a:t>Anna klickt mit Kugelschreiber.</a:t>
+            </a:r>
+            <a:endParaRPr lang="de-DE" sz="5400" i="1" dirty="0"/>
           </a:p>
         </p:txBody>
       </p:sp>
@@ -7804,18 +7816,18 @@
           <a:lstStyle/>
           <a:p>
             <a:r>
-              <a:rPr lang="de-DE" dirty="0"/>
-              <a:t>Person C schwatzt laut mit </a:t>
-            </a:r>
-            <a:r>
-              <a:rPr lang="de-DE" dirty="0" err="1"/>
+              <a:rPr lang="de-DE" sz="2000" dirty="0"/>
+              <a:t>Carl(a) schwatzt laut mit </a:t>
+            </a:r>
+            <a:r>
+              <a:rPr lang="de-DE" sz="2000" dirty="0" err="1"/>
               <a:t>Mitschüler:in</a:t>
             </a:r>
             <a:r>
-              <a:rPr lang="de-DE" dirty="0"/>
-              <a:t> am Ende des Tisches</a:t>
-            </a:r>
-            <a:endParaRPr lang="de-DE" sz="1600" i="1" dirty="0"/>
+              <a:rPr lang="de-DE" sz="2000" dirty="0"/>
+              <a:t> am Ende des Tisches.</a:t>
+            </a:r>
+            <a:endParaRPr lang="de-DE" i="1" dirty="0"/>
           </a:p>
         </p:txBody>
       </p:sp>
@@ -8191,18 +8203,18 @@
           <a:lstStyle/>
           <a:p>
             <a:r>
-              <a:rPr lang="de-DE" dirty="0"/>
-              <a:t>Person C schwatzt laut mit </a:t>
-            </a:r>
-            <a:r>
-              <a:rPr lang="de-DE" dirty="0" err="1"/>
+              <a:rPr lang="de-DE" sz="2000" dirty="0"/>
+              <a:t>Carl(a) schwatzt laut mit </a:t>
+            </a:r>
+            <a:r>
+              <a:rPr lang="de-DE" sz="2000" dirty="0" err="1"/>
               <a:t>Mitschüler:in</a:t>
             </a:r>
             <a:r>
-              <a:rPr lang="de-DE" dirty="0"/>
-              <a:t> am Ende des Tisches</a:t>
-            </a:r>
-            <a:endParaRPr lang="de-DE" sz="1600" i="1" dirty="0"/>
+              <a:rPr lang="de-DE" sz="2000" dirty="0"/>
+              <a:t> am Ende des Tisches.</a:t>
+            </a:r>
+            <a:endParaRPr lang="de-DE" i="1" dirty="0"/>
           </a:p>
         </p:txBody>
       </p:sp>
@@ -8417,19 +8429,20 @@
           <a:bodyPr rtlCol="0" anchor="ctr"/>
           <a:lstStyle/>
           <a:p>
-            <a:r>
-              <a:rPr lang="de-DE" sz="4000" dirty="0"/>
-              <a:t>Person C schwatzt laut mit </a:t>
-            </a:r>
-            <a:r>
-              <a:rPr lang="de-DE" sz="4000" dirty="0" err="1"/>
+            <a:pPr algn="ctr"/>
+            <a:r>
+              <a:rPr lang="de-DE" sz="5400" dirty="0"/>
+              <a:t>Carl(a) schwatzt laut mit </a:t>
+            </a:r>
+            <a:r>
+              <a:rPr lang="de-DE" sz="5400" dirty="0" err="1"/>
               <a:t>Mitschüler:in</a:t>
             </a:r>
             <a:r>
-              <a:rPr lang="de-DE" sz="4000" dirty="0"/>
-              <a:t> am Ende des Tisches</a:t>
-            </a:r>
-            <a:endParaRPr lang="de-DE" sz="3600" i="1" dirty="0"/>
+              <a:rPr lang="de-DE" sz="5400" dirty="0"/>
+              <a:t> am Ende des Tisches.</a:t>
+            </a:r>
+            <a:endParaRPr lang="de-DE" sz="5400" i="1" dirty="0"/>
           </a:p>
         </p:txBody>
       </p:sp>
@@ -9546,7 +9559,7 @@
             <a:pPr algn="ctr"/>
             <a:r>
               <a:rPr lang="de-DE" sz="2000" dirty="0"/>
-              <a:t>Person C ruft laut in die Klasse „Das ist </a:t>
+              <a:t>Carl(a) ruft laut in die Klasse „Das ist </a:t>
             </a:r>
             <a:r>
               <a:rPr lang="de-DE" sz="2000" dirty="0" err="1"/>
@@ -9554,7 +9567,7 @@
             </a:r>
             <a:r>
               <a:rPr lang="de-DE" sz="2000" dirty="0"/>
-              <a:t>“</a:t>
+              <a:t>“.</a:t>
             </a:r>
           </a:p>
         </p:txBody>
@@ -9659,10 +9672,10 @@
   </p:clrMapOvr>
   <mc:AlternateContent xmlns:mc="http://schemas.openxmlformats.org/markup-compatibility/2006" xmlns:p14="http://schemas.microsoft.com/office/powerpoint/2010/main">
     <mc:Choice Requires="p14">
-      <p:transition spd="slow" p14:dur="2000" advClick="0" advTm="270000"/>
+      <p:transition spd="slow" p14:dur="2000" advClick="0" advTm="130000"/>
     </mc:Choice>
     <mc:Fallback xmlns="">
-      <p:transition spd="slow" advClick="0" advTm="270000"/>
+      <p:transition spd="slow" advClick="0" advTm="130000"/>
     </mc:Fallback>
   </mc:AlternateContent>
 </p:sld>
@@ -9866,10 +9879,9 @@
           <a:bodyPr rtlCol="0" anchor="ctr"/>
           <a:lstStyle/>
           <a:p>
-            <a:pPr algn="ctr"/>
             <a:r>
               <a:rPr lang="de-DE" sz="2000" dirty="0"/>
-              <a:t>Person C ruft laut in die Klasse „Das ist </a:t>
+              <a:t>Carl(a) ruft laut in die Klasse „Das ist </a:t>
             </a:r>
             <a:r>
               <a:rPr lang="de-DE" sz="2000" dirty="0" err="1"/>
@@ -9877,7 +9889,7 @@
             </a:r>
             <a:r>
               <a:rPr lang="de-DE" sz="2000" dirty="0"/>
-              <a:t>“</a:t>
+              <a:t>“.</a:t>
             </a:r>
           </a:p>
         </p:txBody>
@@ -10098,16 +10110,16 @@
           <a:p>
             <a:pPr algn="ctr"/>
             <a:r>
-              <a:rPr lang="de-DE" sz="4400" dirty="0"/>
-              <a:t>Person C ruft laut in die Klasse „Das ist </a:t>
-            </a:r>
-            <a:r>
-              <a:rPr lang="de-DE" sz="4400" dirty="0" err="1"/>
+              <a:rPr lang="de-DE" sz="5400" dirty="0"/>
+              <a:t>Carl(a) ruft laut in die Klasse „Das ist </a:t>
+            </a:r>
+            <a:r>
+              <a:rPr lang="de-DE" sz="5400" dirty="0" err="1"/>
               <a:t>laangweilig</a:t>
             </a:r>
             <a:r>
-              <a:rPr lang="de-DE" sz="4400" dirty="0"/>
-              <a:t>“</a:t>
+              <a:rPr lang="de-DE" sz="5400" dirty="0"/>
+              <a:t>“.</a:t>
             </a:r>
           </a:p>
         </p:txBody>
@@ -10163,7 +10175,7 @@
           <a:p>
             <a:r>
               <a:rPr lang="de-DE" sz="2000" dirty="0"/>
-              <a:t>Person B meldet sich und schnipst laut</a:t>
+              <a:t>Bianca meldet sich und schnipst laut.</a:t>
             </a:r>
             <a:endParaRPr lang="de-DE" i="1" dirty="0"/>
           </a:p>
@@ -10462,7 +10474,7 @@
           <a:p>
             <a:r>
               <a:rPr lang="de-DE" sz="2000" dirty="0"/>
-              <a:t>Person B meldet sich und schnipst laut</a:t>
+              <a:t>Bianca meldet sich und schnipst laut.</a:t>
             </a:r>
             <a:endParaRPr lang="de-DE" sz="2000" i="1" dirty="0"/>
           </a:p>
@@ -10762,11 +10774,12 @@
           <a:bodyPr rtlCol="0" anchor="ctr"/>
           <a:lstStyle/>
           <a:p>
-            <a:r>
-              <a:rPr lang="de-DE" sz="4800" dirty="0"/>
-              <a:t>Person B meldet sich und schnipst laut</a:t>
-            </a:r>
-            <a:endParaRPr lang="de-DE" sz="4800" i="1" dirty="0"/>
+            <a:pPr algn="ctr"/>
+            <a:r>
+              <a:rPr lang="de-DE" sz="5400" dirty="0"/>
+              <a:t>Bianca meldet sich und schnipst laut.</a:t>
+            </a:r>
+            <a:endParaRPr lang="de-DE" sz="5400" i="1" dirty="0"/>
           </a:p>
         </p:txBody>
       </p:sp>
@@ -10821,13 +10834,16 @@
           <a:p>
             <a:r>
               <a:rPr lang="de-DE" sz="2000" dirty="0"/>
-              <a:t>Person A flüstert leise mit </a:t>
+              <a:t>Anna flüstert leise mit </a:t>
             </a:r>
             <a:r>
               <a:rPr lang="de-DE" sz="2000" dirty="0" err="1"/>
               <a:t>Banknachbar:in</a:t>
             </a:r>
-            <a:endParaRPr lang="de-DE" sz="2000" dirty="0"/>
+            <a:r>
+              <a:rPr lang="de-DE" sz="2000" dirty="0"/>
+              <a:t>.</a:t>
+            </a:r>
           </a:p>
         </p:txBody>
       </p:sp>

--- a/studies/Laborstudie ProVisioNET/Scripts/2_script_provisionet_AL.pptx
+++ b/studies/Laborstudie ProVisioNET/Scripts/2_script_provisionet_AL.pptx
@@ -28,10 +28,12 @@
     <p:sldId id="322" r:id="rId22"/>
     <p:sldId id="331" r:id="rId23"/>
     <p:sldId id="323" r:id="rId24"/>
-    <p:sldId id="332" r:id="rId25"/>
-    <p:sldId id="305" r:id="rId26"/>
-    <p:sldId id="301" r:id="rId27"/>
-    <p:sldId id="303" r:id="rId28"/>
+    <p:sldId id="335" r:id="rId25"/>
+    <p:sldId id="336" r:id="rId26"/>
+    <p:sldId id="337" r:id="rId27"/>
+    <p:sldId id="305" r:id="rId28"/>
+    <p:sldId id="301" r:id="rId29"/>
+    <p:sldId id="303" r:id="rId30"/>
   </p:sldIdLst>
   <p:sldSz cx="12192000" cy="6858000"/>
   <p:notesSz cx="6858000" cy="9144000"/>
@@ -365,7 +367,7 @@
             <a:fld id="{87DE6118-2437-4B30-8E3C-4D2BE6020583}" type="datetimeFigureOut">
               <a:rPr lang="en-US" smtClean="0"/>
               <a:pPr/>
-              <a:t>6/11/2021</a:t>
+              <a:t>6/17/2021</a:t>
             </a:fld>
             <a:endParaRPr lang="en-US" dirty="0"/>
           </a:p>
@@ -582,7 +584,7 @@
           <a:p>
             <a:fld id="{87DE6118-2437-4B30-8E3C-4D2BE6020583}" type="datetimeFigureOut">
               <a:rPr lang="en-US" smtClean="0"/>
-              <a:t>6/11/2021</a:t>
+              <a:t>6/17/2021</a:t>
             </a:fld>
             <a:endParaRPr lang="en-US" dirty="0"/>
           </a:p>
@@ -846,7 +848,7 @@
           <a:p>
             <a:fld id="{87DE6118-2437-4B30-8E3C-4D2BE6020583}" type="datetimeFigureOut">
               <a:rPr lang="en-US" smtClean="0"/>
-              <a:t>6/11/2021</a:t>
+              <a:t>6/17/2021</a:t>
             </a:fld>
             <a:endParaRPr lang="en-US" dirty="0"/>
           </a:p>
@@ -1024,7 +1026,7 @@
           <a:p>
             <a:fld id="{87DE6118-2437-4B30-8E3C-4D2BE6020583}" type="datetimeFigureOut">
               <a:rPr lang="en-US" smtClean="0"/>
-              <a:t>6/11/2021</a:t>
+              <a:t>6/17/2021</a:t>
             </a:fld>
             <a:endParaRPr lang="en-US" dirty="0"/>
           </a:p>
@@ -1376,7 +1378,7 @@
             <a:fld id="{87DE6118-2437-4B30-8E3C-4D2BE6020583}" type="datetimeFigureOut">
               <a:rPr lang="en-US" smtClean="0"/>
               <a:pPr/>
-              <a:t>6/11/2021</a:t>
+              <a:t>6/17/2021</a:t>
             </a:fld>
             <a:endParaRPr lang="en-US" dirty="0"/>
           </a:p>
@@ -1660,7 +1662,7 @@
           <a:p>
             <a:fld id="{87DE6118-2437-4B30-8E3C-4D2BE6020583}" type="datetimeFigureOut">
               <a:rPr lang="en-US" smtClean="0"/>
-              <a:t>6/11/2021</a:t>
+              <a:t>6/17/2021</a:t>
             </a:fld>
             <a:endParaRPr lang="en-US" dirty="0"/>
           </a:p>
@@ -2047,7 +2049,7 @@
           <a:p>
             <a:fld id="{87DE6118-2437-4B30-8E3C-4D2BE6020583}" type="datetimeFigureOut">
               <a:rPr lang="en-US" smtClean="0"/>
-              <a:t>6/11/2021</a:t>
+              <a:t>6/17/2021</a:t>
             </a:fld>
             <a:endParaRPr lang="en-US" dirty="0"/>
           </a:p>
@@ -2173,7 +2175,7 @@
           <a:p>
             <a:fld id="{87DE6118-2437-4B30-8E3C-4D2BE6020583}" type="datetimeFigureOut">
               <a:rPr lang="en-US" smtClean="0"/>
-              <a:t>6/11/2021</a:t>
+              <a:t>6/17/2021</a:t>
             </a:fld>
             <a:endParaRPr lang="en-US" dirty="0"/>
           </a:p>
@@ -2352,7 +2354,7 @@
           <a:p>
             <a:fld id="{87DE6118-2437-4B30-8E3C-4D2BE6020583}" type="datetimeFigureOut">
               <a:rPr lang="en-US" smtClean="0"/>
-              <a:t>6/11/2021</a:t>
+              <a:t>6/17/2021</a:t>
             </a:fld>
             <a:endParaRPr lang="en-US" dirty="0"/>
           </a:p>
@@ -2715,7 +2717,7 @@
             <a:fld id="{87DE6118-2437-4B30-8E3C-4D2BE6020583}" type="datetimeFigureOut">
               <a:rPr lang="en-US" smtClean="0"/>
               <a:pPr/>
-              <a:t>6/11/2021</a:t>
+              <a:t>6/17/2021</a:t>
             </a:fld>
             <a:endParaRPr lang="en-US" dirty="0"/>
           </a:p>
@@ -3102,7 +3104,7 @@
             <a:fld id="{87DE6118-2437-4B30-8E3C-4D2BE6020583}" type="datetimeFigureOut">
               <a:rPr lang="en-US" smtClean="0"/>
               <a:pPr/>
-              <a:t>6/11/2021</a:t>
+              <a:t>6/17/2021</a:t>
             </a:fld>
             <a:endParaRPr lang="en-US" dirty="0"/>
           </a:p>
@@ -3399,7 +3401,7 @@
             <a:fld id="{87DE6118-2437-4B30-8E3C-4D2BE6020583}" type="datetimeFigureOut">
               <a:rPr lang="en-US" smtClean="0"/>
               <a:pPr/>
-              <a:t>6/11/2021</a:t>
+              <a:t>6/17/2021</a:t>
             </a:fld>
             <a:endParaRPr lang="en-US" dirty="0"/>
           </a:p>
@@ -4177,15 +4179,15 @@
           <a:lstStyle/>
           <a:p>
             <a:r>
-              <a:rPr lang="de-DE" sz="2000" dirty="0"/>
+              <a:rPr lang="de-DE" sz="2800" dirty="0"/>
               <a:t>Anna flüstert leise mit </a:t>
             </a:r>
             <a:r>
-              <a:rPr lang="de-DE" sz="2000" dirty="0" err="1"/>
+              <a:rPr lang="de-DE" sz="2800" dirty="0" err="1"/>
               <a:t>Banknachbar:in</a:t>
             </a:r>
             <a:r>
-              <a:rPr lang="de-DE" sz="2000" dirty="0"/>
+              <a:rPr lang="de-DE" sz="2800" dirty="0"/>
               <a:t>.</a:t>
             </a:r>
           </a:p>
@@ -4468,10 +4470,10 @@
           <a:lstStyle/>
           <a:p>
             <a:r>
-              <a:rPr lang="de-DE" sz="2000" dirty="0"/>
+              <a:rPr lang="de-DE" sz="2800" dirty="0"/>
               <a:t>Bianca legt Kopf auf Tisch und schläft.</a:t>
             </a:r>
-            <a:endParaRPr lang="de-DE" sz="2000" i="1" dirty="0"/>
+            <a:endParaRPr lang="de-DE" sz="2800" i="1" dirty="0"/>
           </a:p>
         </p:txBody>
       </p:sp>
@@ -4847,10 +4849,10 @@
           <a:lstStyle/>
           <a:p>
             <a:r>
-              <a:rPr lang="de-DE" sz="2000" dirty="0"/>
+              <a:rPr lang="de-DE" sz="2800" dirty="0"/>
               <a:t>Bianca legt Kopf auf Tisch und schläft.</a:t>
             </a:r>
-            <a:endParaRPr lang="de-DE" i="1" dirty="0"/>
+            <a:endParaRPr lang="de-DE" sz="2400" i="1" dirty="0"/>
           </a:p>
         </p:txBody>
       </p:sp>
@@ -5124,10 +5126,10 @@
           <a:lstStyle/>
           <a:p>
             <a:r>
-              <a:rPr lang="de-DE" sz="2000" dirty="0"/>
+              <a:rPr lang="de-DE" sz="2800" dirty="0"/>
               <a:t>Carl(a) kritzelt auf einem Blatt herum.</a:t>
             </a:r>
-            <a:endParaRPr lang="de-DE" i="1" dirty="0"/>
+            <a:endParaRPr lang="de-DE" sz="2400" i="1" dirty="0"/>
           </a:p>
         </p:txBody>
       </p:sp>
@@ -5503,10 +5505,10 @@
           <a:lstStyle/>
           <a:p>
             <a:r>
-              <a:rPr lang="de-DE" sz="2000" dirty="0"/>
+              <a:rPr lang="de-DE" sz="2800" dirty="0"/>
               <a:t>Carl(a) kritzelt auf einem Blatt herum.</a:t>
             </a:r>
-            <a:endParaRPr lang="de-DE" i="1" dirty="0"/>
+            <a:endParaRPr lang="de-DE" sz="2400" i="1" dirty="0"/>
           </a:p>
         </p:txBody>
       </p:sp>
@@ -5780,10 +5782,10 @@
           <a:lstStyle/>
           <a:p>
             <a:r>
-              <a:rPr lang="de-DE" sz="2000" dirty="0"/>
+              <a:rPr lang="de-DE" sz="2800" dirty="0"/>
               <a:t>Anna trommelt mit den Fingern auf Tisch.</a:t>
             </a:r>
-            <a:endParaRPr lang="de-DE" i="1" dirty="0"/>
+            <a:endParaRPr lang="de-DE" sz="2400" i="1" dirty="0"/>
           </a:p>
         </p:txBody>
       </p:sp>
@@ -6159,10 +6161,10 @@
           <a:lstStyle/>
           <a:p>
             <a:r>
-              <a:rPr lang="de-DE" sz="2000" dirty="0"/>
+              <a:rPr lang="de-DE" sz="2800" dirty="0"/>
               <a:t>Anna trommelt mit den Fingern auf Tisch.</a:t>
             </a:r>
-            <a:endParaRPr lang="de-DE" i="1" dirty="0"/>
+            <a:endParaRPr lang="de-DE" sz="2400" i="1" dirty="0"/>
           </a:p>
         </p:txBody>
       </p:sp>
@@ -6436,10 +6438,10 @@
           <a:lstStyle/>
           <a:p>
             <a:r>
-              <a:rPr lang="de-DE" sz="2000" dirty="0"/>
+              <a:rPr lang="de-DE" sz="2800" dirty="0"/>
               <a:t>Bianca liest Nachrichten auf dem Handy.</a:t>
             </a:r>
-            <a:endParaRPr lang="de-DE" i="1" dirty="0"/>
+            <a:endParaRPr lang="de-DE" sz="2400" i="1" dirty="0"/>
           </a:p>
         </p:txBody>
       </p:sp>
@@ -6815,10 +6817,10 @@
           <a:lstStyle/>
           <a:p>
             <a:r>
-              <a:rPr lang="de-DE" sz="2000" dirty="0"/>
+              <a:rPr lang="de-DE" sz="2800" dirty="0"/>
               <a:t>Bianca liest Nachrichten auf dem Handy.</a:t>
             </a:r>
-            <a:endParaRPr lang="de-DE" i="1" dirty="0"/>
+            <a:endParaRPr lang="de-DE" sz="2400" i="1" dirty="0"/>
           </a:p>
         </p:txBody>
       </p:sp>
@@ -7092,10 +7094,10 @@
           <a:lstStyle/>
           <a:p>
             <a:r>
-              <a:rPr lang="de-DE" sz="2000" dirty="0"/>
+              <a:rPr lang="de-DE" sz="2800" dirty="0"/>
               <a:t>Anna klickt mit Kugelschreiber.</a:t>
             </a:r>
-            <a:endParaRPr lang="de-DE" i="1" dirty="0"/>
+            <a:endParaRPr lang="de-DE" sz="2400" i="1" dirty="0"/>
           </a:p>
         </p:txBody>
       </p:sp>
@@ -7539,10 +7541,10 @@
           <a:lstStyle/>
           <a:p>
             <a:r>
-              <a:rPr lang="de-DE" sz="2000" dirty="0"/>
+              <a:rPr lang="de-DE" sz="2800" dirty="0"/>
               <a:t>Anna klickt mit Kugelschreiber.</a:t>
             </a:r>
-            <a:endParaRPr lang="de-DE" i="1" dirty="0"/>
+            <a:endParaRPr lang="de-DE" sz="2400" i="1" dirty="0"/>
           </a:p>
         </p:txBody>
       </p:sp>
@@ -7816,18 +7818,18 @@
           <a:lstStyle/>
           <a:p>
             <a:r>
-              <a:rPr lang="de-DE" sz="2000" dirty="0"/>
+              <a:rPr lang="de-DE" sz="2800" dirty="0"/>
               <a:t>Carl(a) schwatzt laut mit </a:t>
             </a:r>
             <a:r>
-              <a:rPr lang="de-DE" sz="2000" dirty="0" err="1"/>
+              <a:rPr lang="de-DE" sz="2800" dirty="0" err="1"/>
               <a:t>Mitschüler:in</a:t>
             </a:r>
             <a:r>
-              <a:rPr lang="de-DE" sz="2000" dirty="0"/>
+              <a:rPr lang="de-DE" sz="2800" dirty="0"/>
               <a:t> am Ende des Tisches.</a:t>
             </a:r>
-            <a:endParaRPr lang="de-DE" i="1" dirty="0"/>
+            <a:endParaRPr lang="de-DE" sz="2400" i="1" dirty="0"/>
           </a:p>
         </p:txBody>
       </p:sp>
@@ -8203,18 +8205,18 @@
           <a:lstStyle/>
           <a:p>
             <a:r>
-              <a:rPr lang="de-DE" sz="2000" dirty="0"/>
+              <a:rPr lang="de-DE" sz="2800" dirty="0"/>
               <a:t>Carl(a) schwatzt laut mit </a:t>
             </a:r>
             <a:r>
-              <a:rPr lang="de-DE" sz="2000" dirty="0" err="1"/>
+              <a:rPr lang="de-DE" sz="2800" dirty="0" err="1"/>
               <a:t>Mitschüler:in</a:t>
             </a:r>
             <a:r>
-              <a:rPr lang="de-DE" sz="2000" dirty="0"/>
+              <a:rPr lang="de-DE" sz="2800" dirty="0"/>
               <a:t> am Ende des Tisches.</a:t>
             </a:r>
-            <a:endParaRPr lang="de-DE" i="1" dirty="0"/>
+            <a:endParaRPr lang="de-DE" sz="2400" i="1" dirty="0"/>
           </a:p>
         </p:txBody>
       </p:sp>
@@ -8446,71 +8448,6 @@
           </a:p>
         </p:txBody>
       </p:sp>
-      <p:sp>
-        <p:nvSpPr>
-          <p:cNvPr id="4" name="Rechteck: abgerundete Ecken 3">
-            <a:extLst>
-              <a:ext uri="{FF2B5EF4-FFF2-40B4-BE49-F238E27FC236}">
-                <a16:creationId xmlns:a16="http://schemas.microsoft.com/office/drawing/2014/main" id="{FA9AD113-8EBD-4706-A40F-4A7A8D62D063}"/>
-              </a:ext>
-            </a:extLst>
-          </p:cNvPr>
-          <p:cNvSpPr/>
-          <p:nvPr/>
-        </p:nvSpPr>
-        <p:spPr>
-          <a:xfrm>
-            <a:off x="3349589" y="5147111"/>
-            <a:ext cx="6429676" cy="866273"/>
-          </a:xfrm>
-          <a:prstGeom prst="roundRect">
-            <a:avLst/>
-          </a:prstGeom>
-          <a:solidFill>
-            <a:schemeClr val="bg1"/>
-          </a:solidFill>
-          <a:ln>
-            <a:solidFill>
-              <a:schemeClr val="tx1"/>
-            </a:solidFill>
-          </a:ln>
-        </p:spPr>
-        <p:style>
-          <a:lnRef idx="2">
-            <a:schemeClr val="accent1">
-              <a:shade val="50000"/>
-            </a:schemeClr>
-          </a:lnRef>
-          <a:fillRef idx="1">
-            <a:schemeClr val="accent1"/>
-          </a:fillRef>
-          <a:effectRef idx="0">
-            <a:schemeClr val="accent1"/>
-          </a:effectRef>
-          <a:fontRef idx="minor">
-            <a:schemeClr val="lt1"/>
-          </a:fontRef>
-        </p:style>
-        <p:txBody>
-          <a:bodyPr rtlCol="0" anchor="ctr"/>
-          <a:lstStyle/>
-          <a:p>
-            <a:r>
-              <a:rPr lang="de-DE" sz="4000" dirty="0">
-                <a:solidFill>
-                  <a:schemeClr val="tx1"/>
-                </a:solidFill>
-              </a:rPr>
-              <a:t>Ende</a:t>
-            </a:r>
-            <a:endParaRPr lang="de-DE" sz="1600" dirty="0">
-              <a:solidFill>
-                <a:schemeClr val="tx1"/>
-              </a:solidFill>
-            </a:endParaRPr>
-          </a:p>
-        </p:txBody>
-      </p:sp>
       <p:pic>
         <p:nvPicPr>
           <p:cNvPr id="7" name="Grafik 6" descr="Pfeil: Nach rechts drehen mit einfarbiger Füllung">
@@ -8588,6 +8525,71 @@
           <a:p>
             <a:pPr algn="ctr"/>
             <a:endParaRPr lang="de-DE"/>
+          </a:p>
+        </p:txBody>
+      </p:sp>
+      <p:sp>
+        <p:nvSpPr>
+          <p:cNvPr id="8" name="Rechteck: abgerundete Ecken 7">
+            <a:extLst>
+              <a:ext uri="{FF2B5EF4-FFF2-40B4-BE49-F238E27FC236}">
+                <a16:creationId xmlns:a16="http://schemas.microsoft.com/office/drawing/2014/main" id="{CF620063-662D-40FF-8EBE-F235A551AC21}"/>
+              </a:ext>
+            </a:extLst>
+          </p:cNvPr>
+          <p:cNvSpPr/>
+          <p:nvPr/>
+        </p:nvSpPr>
+        <p:spPr>
+          <a:xfrm>
+            <a:off x="3349589" y="5147111"/>
+            <a:ext cx="6429676" cy="866273"/>
+          </a:xfrm>
+          <a:prstGeom prst="roundRect">
+            <a:avLst/>
+          </a:prstGeom>
+          <a:solidFill>
+            <a:srgbClr val="FFFF00"/>
+          </a:solidFill>
+          <a:ln>
+            <a:solidFill>
+              <a:schemeClr val="tx1"/>
+            </a:solidFill>
+          </a:ln>
+        </p:spPr>
+        <p:style>
+          <a:lnRef idx="2">
+            <a:schemeClr val="accent1">
+              <a:shade val="50000"/>
+            </a:schemeClr>
+          </a:lnRef>
+          <a:fillRef idx="1">
+            <a:schemeClr val="accent1"/>
+          </a:fillRef>
+          <a:effectRef idx="0">
+            <a:schemeClr val="accent1"/>
+          </a:effectRef>
+          <a:fontRef idx="minor">
+            <a:schemeClr val="lt1"/>
+          </a:fontRef>
+        </p:style>
+        <p:txBody>
+          <a:bodyPr rtlCol="0" anchor="ctr"/>
+          <a:lstStyle/>
+          <a:p>
+            <a:r>
+              <a:rPr lang="de-DE" sz="4000" dirty="0">
+                <a:solidFill>
+                  <a:schemeClr val="tx1"/>
+                </a:solidFill>
+              </a:rPr>
+              <a:t>Gelbe Karte</a:t>
+            </a:r>
+            <a:endParaRPr lang="de-DE" sz="1600" dirty="0">
+              <a:solidFill>
+                <a:schemeClr val="tx1"/>
+              </a:solidFill>
+            </a:endParaRPr>
           </a:p>
         </p:txBody>
       </p:sp>
@@ -8774,7 +8776,7 @@
             <a:avLst/>
           </a:prstGeom>
           <a:solidFill>
-            <a:schemeClr val="bg1"/>
+            <a:srgbClr val="FFFF00"/>
           </a:solidFill>
           <a:ln>
             <a:solidFill>
@@ -8808,7 +8810,7 @@
                   <a:schemeClr val="tx1"/>
                 </a:solidFill>
               </a:rPr>
-              <a:t>Ende</a:t>
+              <a:t>Gelbe Karte</a:t>
             </a:r>
             <a:endParaRPr lang="de-DE" sz="1600" dirty="0">
               <a:solidFill>
@@ -8901,7 +8903,7 @@
     </p:spTree>
     <p:extLst>
       <p:ext uri="{BB962C8B-B14F-4D97-AF65-F5344CB8AC3E}">
-        <p14:creationId xmlns:p14="http://schemas.microsoft.com/office/powerpoint/2010/main" val="3953401462"/>
+        <p14:creationId xmlns:p14="http://schemas.microsoft.com/office/powerpoint/2010/main" val="3278941035"/>
       </p:ext>
     </p:extLst>
   </p:cSld>
@@ -9062,6 +9064,569 @@
       </p:grpSpPr>
       <p:sp>
         <p:nvSpPr>
+          <p:cNvPr id="4" name="Rechteck: abgerundete Ecken 3">
+            <a:extLst>
+              <a:ext uri="{FF2B5EF4-FFF2-40B4-BE49-F238E27FC236}">
+                <a16:creationId xmlns:a16="http://schemas.microsoft.com/office/drawing/2014/main" id="{FA9AD113-8EBD-4706-A40F-4A7A8D62D063}"/>
+              </a:ext>
+            </a:extLst>
+          </p:cNvPr>
+          <p:cNvSpPr/>
+          <p:nvPr/>
+        </p:nvSpPr>
+        <p:spPr>
+          <a:xfrm>
+            <a:off x="3349589" y="5147111"/>
+            <a:ext cx="6429676" cy="866273"/>
+          </a:xfrm>
+          <a:prstGeom prst="roundRect">
+            <a:avLst/>
+          </a:prstGeom>
+          <a:solidFill>
+            <a:srgbClr val="FF0000"/>
+          </a:solidFill>
+          <a:ln>
+            <a:solidFill>
+              <a:schemeClr val="tx1"/>
+            </a:solidFill>
+          </a:ln>
+        </p:spPr>
+        <p:style>
+          <a:lnRef idx="2">
+            <a:schemeClr val="accent1">
+              <a:shade val="50000"/>
+            </a:schemeClr>
+          </a:lnRef>
+          <a:fillRef idx="1">
+            <a:schemeClr val="accent1"/>
+          </a:fillRef>
+          <a:effectRef idx="0">
+            <a:schemeClr val="accent1"/>
+          </a:effectRef>
+          <a:fontRef idx="minor">
+            <a:schemeClr val="lt1"/>
+          </a:fontRef>
+        </p:style>
+        <p:txBody>
+          <a:bodyPr rtlCol="0" anchor="ctr"/>
+          <a:lstStyle/>
+          <a:p>
+            <a:r>
+              <a:rPr lang="de-DE" sz="4000" dirty="0">
+                <a:solidFill>
+                  <a:schemeClr val="tx1"/>
+                </a:solidFill>
+              </a:rPr>
+              <a:t>Rote Karte</a:t>
+            </a:r>
+            <a:endParaRPr lang="de-DE" sz="1600" dirty="0">
+              <a:solidFill>
+                <a:schemeClr val="tx1"/>
+              </a:solidFill>
+            </a:endParaRPr>
+          </a:p>
+        </p:txBody>
+      </p:sp>
+      <p:pic>
+        <p:nvPicPr>
+          <p:cNvPr id="7" name="Grafik 6" descr="Pfeil: Nach rechts drehen mit einfarbiger Füllung">
+            <a:extLst>
+              <a:ext uri="{FF2B5EF4-FFF2-40B4-BE49-F238E27FC236}">
+                <a16:creationId xmlns:a16="http://schemas.microsoft.com/office/drawing/2014/main" id="{96F81046-FCF8-4808-9E27-66081C4B6096}"/>
+              </a:ext>
+            </a:extLst>
+          </p:cNvPr>
+          <p:cNvPicPr>
+            <a:picLocks noChangeAspect="1"/>
+          </p:cNvPicPr>
+          <p:nvPr/>
+        </p:nvPicPr>
+        <p:blipFill>
+          <a:blip r:embed="rId2">
+            <a:extLst>
+              <a:ext uri="{96DAC541-7B7A-43D3-8B79-37D633B846F1}">
+                <asvg:svgBlip xmlns:asvg="http://schemas.microsoft.com/office/drawing/2016/SVG/main" r:embed="rId3"/>
+              </a:ext>
+            </a:extLst>
+          </a:blip>
+          <a:stretch>
+            <a:fillRect/>
+          </a:stretch>
+        </p:blipFill>
+        <p:spPr>
+          <a:xfrm>
+            <a:off x="2061413" y="5098984"/>
+            <a:ext cx="914400" cy="914400"/>
+          </a:xfrm>
+          <a:prstGeom prst="rect">
+            <a:avLst/>
+          </a:prstGeom>
+        </p:spPr>
+      </p:pic>
+      <p:sp>
+        <p:nvSpPr>
+          <p:cNvPr id="5" name="Rechteck 4">
+            <a:extLst>
+              <a:ext uri="{FF2B5EF4-FFF2-40B4-BE49-F238E27FC236}">
+                <a16:creationId xmlns:a16="http://schemas.microsoft.com/office/drawing/2014/main" id="{D99A8E36-CAD7-4F84-A2D2-BC10DC0B9CB6}"/>
+              </a:ext>
+            </a:extLst>
+          </p:cNvPr>
+          <p:cNvSpPr/>
+          <p:nvPr/>
+        </p:nvSpPr>
+        <p:spPr>
+          <a:xfrm>
+            <a:off x="0" y="4023360"/>
+            <a:ext cx="12192000" cy="779646"/>
+          </a:xfrm>
+          <a:prstGeom prst="rect">
+            <a:avLst/>
+          </a:prstGeom>
+        </p:spPr>
+        <p:style>
+          <a:lnRef idx="1">
+            <a:schemeClr val="dk1"/>
+          </a:lnRef>
+          <a:fillRef idx="2">
+            <a:schemeClr val="dk1"/>
+          </a:fillRef>
+          <a:effectRef idx="1">
+            <a:schemeClr val="dk1"/>
+          </a:effectRef>
+          <a:fontRef idx="minor">
+            <a:schemeClr val="dk1"/>
+          </a:fontRef>
+        </p:style>
+        <p:txBody>
+          <a:bodyPr rtlCol="0" anchor="ctr"/>
+          <a:lstStyle/>
+          <a:p>
+            <a:pPr algn="ctr"/>
+            <a:endParaRPr lang="de-DE"/>
+          </a:p>
+        </p:txBody>
+      </p:sp>
+      <p:sp>
+        <p:nvSpPr>
+          <p:cNvPr id="6" name="Rechteck: abgerundete Ecken 5">
+            <a:extLst>
+              <a:ext uri="{FF2B5EF4-FFF2-40B4-BE49-F238E27FC236}">
+                <a16:creationId xmlns:a16="http://schemas.microsoft.com/office/drawing/2014/main" id="{64008FDE-7C90-444D-A63F-ED121C7C3B80}"/>
+              </a:ext>
+            </a:extLst>
+          </p:cNvPr>
+          <p:cNvSpPr/>
+          <p:nvPr/>
+        </p:nvSpPr>
+        <p:spPr>
+          <a:xfrm>
+            <a:off x="702643" y="409073"/>
+            <a:ext cx="10607040" cy="3373656"/>
+          </a:xfrm>
+          <a:prstGeom prst="roundRect">
+            <a:avLst/>
+          </a:prstGeom>
+          <a:solidFill>
+            <a:srgbClr val="FFFF00"/>
+          </a:solidFill>
+          <a:ln/>
+        </p:spPr>
+        <p:style>
+          <a:lnRef idx="2">
+            <a:schemeClr val="dk1"/>
+          </a:lnRef>
+          <a:fillRef idx="1">
+            <a:schemeClr val="lt1"/>
+          </a:fillRef>
+          <a:effectRef idx="0">
+            <a:schemeClr val="dk1"/>
+          </a:effectRef>
+          <a:fontRef idx="minor">
+            <a:schemeClr val="dk1"/>
+          </a:fontRef>
+        </p:style>
+        <p:txBody>
+          <a:bodyPr rtlCol="0" anchor="ctr"/>
+          <a:lstStyle/>
+          <a:p>
+            <a:pPr algn="ctr"/>
+            <a:r>
+              <a:rPr lang="de-DE" sz="5400" dirty="0"/>
+              <a:t>Gelbe Karte</a:t>
+            </a:r>
+          </a:p>
+        </p:txBody>
+      </p:sp>
+    </p:spTree>
+    <p:extLst>
+      <p:ext uri="{BB962C8B-B14F-4D97-AF65-F5344CB8AC3E}">
+        <p14:creationId xmlns:p14="http://schemas.microsoft.com/office/powerpoint/2010/main" val="3261002616"/>
+      </p:ext>
+    </p:extLst>
+  </p:cSld>
+  <p:clrMapOvr>
+    <a:masterClrMapping/>
+  </p:clrMapOvr>
+  <mc:AlternateContent xmlns:mc="http://schemas.openxmlformats.org/markup-compatibility/2006" xmlns:p14="http://schemas.microsoft.com/office/powerpoint/2010/main">
+    <mc:Choice Requires="p14">
+      <p:transition spd="slow" p14:dur="2000" advClick="0" advTm="60000"/>
+    </mc:Choice>
+    <mc:Fallback xmlns="">
+      <p:transition spd="slow" advClick="0" advTm="60000"/>
+    </mc:Fallback>
+  </mc:AlternateContent>
+  <p:timing>
+    <p:tnLst>
+      <p:par>
+        <p:cTn id="1" dur="indefinite" restart="never" nodeType="tmRoot">
+          <p:childTnLst>
+            <p:seq concurrent="1" nextAc="seek">
+              <p:cTn id="2" dur="indefinite" nodeType="mainSeq">
+                <p:childTnLst>
+                  <p:par>
+                    <p:cTn id="3" fill="hold">
+                      <p:stCondLst>
+                        <p:cond delay="indefinite"/>
+                      </p:stCondLst>
+                      <p:childTnLst>
+                        <p:par>
+                          <p:cTn id="4" fill="hold">
+                            <p:stCondLst>
+                              <p:cond delay="0"/>
+                            </p:stCondLst>
+                            <p:childTnLst>
+                              <p:par>
+                                <p:cTn id="5" presetID="2" presetClass="exit" presetSubtype="8" fill="hold" grpId="0" nodeType="clickEffect">
+                                  <p:stCondLst>
+                                    <p:cond delay="0"/>
+                                  </p:stCondLst>
+                                  <p:childTnLst>
+                                    <p:anim calcmode="lin" valueType="num">
+                                      <p:cBhvr additive="base">
+                                        <p:cTn id="6" dur="59000"/>
+                                        <p:tgtEl>
+                                          <p:spTgt spid="5"/>
+                                        </p:tgtEl>
+                                        <p:attrNameLst>
+                                          <p:attrName>ppt_x</p:attrName>
+                                        </p:attrNameLst>
+                                      </p:cBhvr>
+                                      <p:tavLst>
+                                        <p:tav tm="0">
+                                          <p:val>
+                                            <p:strVal val="ppt_x"/>
+                                          </p:val>
+                                        </p:tav>
+                                        <p:tav tm="100000">
+                                          <p:val>
+                                            <p:strVal val="0-ppt_w/2"/>
+                                          </p:val>
+                                        </p:tav>
+                                      </p:tavLst>
+                                    </p:anim>
+                                    <p:anim calcmode="lin" valueType="num">
+                                      <p:cBhvr additive="base">
+                                        <p:cTn id="7" dur="59000"/>
+                                        <p:tgtEl>
+                                          <p:spTgt spid="5"/>
+                                        </p:tgtEl>
+                                        <p:attrNameLst>
+                                          <p:attrName>ppt_y</p:attrName>
+                                        </p:attrNameLst>
+                                      </p:cBhvr>
+                                      <p:tavLst>
+                                        <p:tav tm="0">
+                                          <p:val>
+                                            <p:strVal val="ppt_y"/>
+                                          </p:val>
+                                        </p:tav>
+                                        <p:tav tm="100000">
+                                          <p:val>
+                                            <p:strVal val="ppt_y"/>
+                                          </p:val>
+                                        </p:tav>
+                                      </p:tavLst>
+                                    </p:anim>
+                                    <p:set>
+                                      <p:cBhvr>
+                                        <p:cTn id="8" dur="1" fill="hold">
+                                          <p:stCondLst>
+                                            <p:cond delay="58999"/>
+                                          </p:stCondLst>
+                                        </p:cTn>
+                                        <p:tgtEl>
+                                          <p:spTgt spid="5"/>
+                                        </p:tgtEl>
+                                        <p:attrNameLst>
+                                          <p:attrName>style.visibility</p:attrName>
+                                        </p:attrNameLst>
+                                      </p:cBhvr>
+                                      <p:to>
+                                        <p:strVal val="hidden"/>
+                                      </p:to>
+                                    </p:set>
+                                  </p:childTnLst>
+                                </p:cTn>
+                              </p:par>
+                            </p:childTnLst>
+                          </p:cTn>
+                        </p:par>
+                      </p:childTnLst>
+                    </p:cTn>
+                  </p:par>
+                </p:childTnLst>
+              </p:cTn>
+              <p:prevCondLst>
+                <p:cond evt="onPrev" delay="0">
+                  <p:tgtEl>
+                    <p:sldTgt/>
+                  </p:tgtEl>
+                </p:cond>
+              </p:prevCondLst>
+              <p:nextCondLst>
+                <p:cond evt="onNext" delay="0">
+                  <p:tgtEl>
+                    <p:sldTgt/>
+                  </p:tgtEl>
+                </p:cond>
+              </p:nextCondLst>
+            </p:seq>
+          </p:childTnLst>
+        </p:cTn>
+      </p:par>
+    </p:tnLst>
+    <p:bldLst>
+      <p:bldP spid="5" grpId="0" animBg="1"/>
+    </p:bldLst>
+  </p:timing>
+</p:sld>
+</file>
+
+<file path=ppt/slides/slide26.xml><?xml version="1.0" encoding="utf-8"?>
+<p:sld xmlns:a="http://schemas.openxmlformats.org/drawingml/2006/main" xmlns:r="http://schemas.openxmlformats.org/officeDocument/2006/relationships" xmlns:p="http://schemas.openxmlformats.org/presentationml/2006/main">
+  <p:cSld>
+    <p:spTree>
+      <p:nvGrpSpPr>
+        <p:cNvPr id="1" name=""/>
+        <p:cNvGrpSpPr/>
+        <p:nvPr/>
+      </p:nvGrpSpPr>
+      <p:grpSpPr>
+        <a:xfrm>
+          <a:off x="0" y="0"/>
+          <a:ext cx="0" cy="0"/>
+          <a:chOff x="0" y="0"/>
+          <a:chExt cx="0" cy="0"/>
+        </a:xfrm>
+      </p:grpSpPr>
+      <p:sp>
+        <p:nvSpPr>
+          <p:cNvPr id="4" name="Rechteck: abgerundete Ecken 3">
+            <a:extLst>
+              <a:ext uri="{FF2B5EF4-FFF2-40B4-BE49-F238E27FC236}">
+                <a16:creationId xmlns:a16="http://schemas.microsoft.com/office/drawing/2014/main" id="{FA9AD113-8EBD-4706-A40F-4A7A8D62D063}"/>
+              </a:ext>
+            </a:extLst>
+          </p:cNvPr>
+          <p:cNvSpPr/>
+          <p:nvPr/>
+        </p:nvSpPr>
+        <p:spPr>
+          <a:xfrm>
+            <a:off x="3349589" y="5147111"/>
+            <a:ext cx="6429676" cy="866273"/>
+          </a:xfrm>
+          <a:prstGeom prst="roundRect">
+            <a:avLst/>
+          </a:prstGeom>
+          <a:solidFill>
+            <a:schemeClr val="bg1"/>
+          </a:solidFill>
+          <a:ln>
+            <a:solidFill>
+              <a:schemeClr val="tx1"/>
+            </a:solidFill>
+          </a:ln>
+        </p:spPr>
+        <p:style>
+          <a:lnRef idx="2">
+            <a:schemeClr val="accent1">
+              <a:shade val="50000"/>
+            </a:schemeClr>
+          </a:lnRef>
+          <a:fillRef idx="1">
+            <a:schemeClr val="accent1"/>
+          </a:fillRef>
+          <a:effectRef idx="0">
+            <a:schemeClr val="accent1"/>
+          </a:effectRef>
+          <a:fontRef idx="minor">
+            <a:schemeClr val="lt1"/>
+          </a:fontRef>
+        </p:style>
+        <p:txBody>
+          <a:bodyPr rtlCol="0" anchor="ctr"/>
+          <a:lstStyle/>
+          <a:p>
+            <a:r>
+              <a:rPr lang="de-DE" sz="4000" dirty="0">
+                <a:solidFill>
+                  <a:schemeClr val="tx1"/>
+                </a:solidFill>
+              </a:rPr>
+              <a:t>Ende</a:t>
+            </a:r>
+            <a:endParaRPr lang="de-DE" sz="1600" dirty="0">
+              <a:solidFill>
+                <a:schemeClr val="tx1"/>
+              </a:solidFill>
+            </a:endParaRPr>
+          </a:p>
+        </p:txBody>
+      </p:sp>
+      <p:pic>
+        <p:nvPicPr>
+          <p:cNvPr id="7" name="Grafik 6" descr="Pfeil: Nach rechts drehen mit einfarbiger Füllung">
+            <a:extLst>
+              <a:ext uri="{FF2B5EF4-FFF2-40B4-BE49-F238E27FC236}">
+                <a16:creationId xmlns:a16="http://schemas.microsoft.com/office/drawing/2014/main" id="{96F81046-FCF8-4808-9E27-66081C4B6096}"/>
+              </a:ext>
+            </a:extLst>
+          </p:cNvPr>
+          <p:cNvPicPr>
+            <a:picLocks noChangeAspect="1"/>
+          </p:cNvPicPr>
+          <p:nvPr/>
+        </p:nvPicPr>
+        <p:blipFill>
+          <a:blip r:embed="rId2">
+            <a:extLst>
+              <a:ext uri="{96DAC541-7B7A-43D3-8B79-37D633B846F1}">
+                <asvg:svgBlip xmlns:asvg="http://schemas.microsoft.com/office/drawing/2016/SVG/main" r:embed="rId3"/>
+              </a:ext>
+            </a:extLst>
+          </a:blip>
+          <a:stretch>
+            <a:fillRect/>
+          </a:stretch>
+        </p:blipFill>
+        <p:spPr>
+          <a:xfrm>
+            <a:off x="2061413" y="5098984"/>
+            <a:ext cx="914400" cy="914400"/>
+          </a:xfrm>
+          <a:prstGeom prst="rect">
+            <a:avLst/>
+          </a:prstGeom>
+        </p:spPr>
+      </p:pic>
+      <p:sp>
+        <p:nvSpPr>
+          <p:cNvPr id="6" name="Rechteck: abgerundete Ecken 5">
+            <a:extLst>
+              <a:ext uri="{FF2B5EF4-FFF2-40B4-BE49-F238E27FC236}">
+                <a16:creationId xmlns:a16="http://schemas.microsoft.com/office/drawing/2014/main" id="{24097B82-E73D-499D-BC7B-D2F71817F904}"/>
+              </a:ext>
+            </a:extLst>
+          </p:cNvPr>
+          <p:cNvSpPr/>
+          <p:nvPr/>
+        </p:nvSpPr>
+        <p:spPr>
+          <a:xfrm>
+            <a:off x="702643" y="409073"/>
+            <a:ext cx="10607040" cy="3373656"/>
+          </a:xfrm>
+          <a:prstGeom prst="roundRect">
+            <a:avLst/>
+          </a:prstGeom>
+          <a:solidFill>
+            <a:srgbClr val="FF0000"/>
+          </a:solidFill>
+          <a:ln>
+            <a:solidFill>
+              <a:schemeClr val="tx1"/>
+            </a:solidFill>
+          </a:ln>
+        </p:spPr>
+        <p:style>
+          <a:lnRef idx="2">
+            <a:schemeClr val="accent1">
+              <a:shade val="50000"/>
+            </a:schemeClr>
+          </a:lnRef>
+          <a:fillRef idx="1">
+            <a:schemeClr val="accent1"/>
+          </a:fillRef>
+          <a:effectRef idx="0">
+            <a:schemeClr val="accent1"/>
+          </a:effectRef>
+          <a:fontRef idx="minor">
+            <a:schemeClr val="lt1"/>
+          </a:fontRef>
+        </p:style>
+        <p:txBody>
+          <a:bodyPr rtlCol="0" anchor="ctr"/>
+          <a:lstStyle/>
+          <a:p>
+            <a:pPr algn="ctr"/>
+            <a:r>
+              <a:rPr lang="de-DE" sz="5400" dirty="0">
+                <a:solidFill>
+                  <a:schemeClr val="tx1"/>
+                </a:solidFill>
+              </a:rPr>
+              <a:t>Rote Karte</a:t>
+            </a:r>
+            <a:endParaRPr lang="de-DE" sz="5400" i="1" dirty="0">
+              <a:solidFill>
+                <a:schemeClr val="tx1"/>
+              </a:solidFill>
+            </a:endParaRPr>
+          </a:p>
+        </p:txBody>
+      </p:sp>
+    </p:spTree>
+    <p:extLst>
+      <p:ext uri="{BB962C8B-B14F-4D97-AF65-F5344CB8AC3E}">
+        <p14:creationId xmlns:p14="http://schemas.microsoft.com/office/powerpoint/2010/main" val="2912351940"/>
+      </p:ext>
+    </p:extLst>
+  </p:cSld>
+  <p:clrMapOvr>
+    <a:masterClrMapping/>
+  </p:clrMapOvr>
+  <mc:AlternateContent xmlns:mc="http://schemas.openxmlformats.org/markup-compatibility/2006" xmlns:p14="http://schemas.microsoft.com/office/powerpoint/2010/main">
+    <mc:Choice Requires="p14">
+      <p:transition spd="slow" p14:dur="2000" advClick="0" advTm="60000"/>
+    </mc:Choice>
+    <mc:Fallback xmlns="">
+      <p:transition spd="slow" advClick="0" advTm="60000"/>
+    </mc:Fallback>
+  </mc:AlternateContent>
+</p:sld>
+</file>
+
+<file path=ppt/slides/slide27.xml><?xml version="1.0" encoding="utf-8"?>
+<p:sld xmlns:a="http://schemas.openxmlformats.org/drawingml/2006/main" xmlns:r="http://schemas.openxmlformats.org/officeDocument/2006/relationships" xmlns:p="http://schemas.openxmlformats.org/presentationml/2006/main">
+  <p:cSld>
+    <p:spTree>
+      <p:nvGrpSpPr>
+        <p:cNvPr id="1" name=""/>
+        <p:cNvGrpSpPr/>
+        <p:nvPr/>
+      </p:nvGrpSpPr>
+      <p:grpSpPr>
+        <a:xfrm>
+          <a:off x="0" y="0"/>
+          <a:ext cx="0" cy="0"/>
+          <a:chOff x="0" y="0"/>
+          <a:chExt cx="0" cy="0"/>
+        </a:xfrm>
+      </p:grpSpPr>
+      <p:sp>
+        <p:nvSpPr>
           <p:cNvPr id="2" name="Titel 1">
             <a:extLst>
               <a:ext uri="{FF2B5EF4-FFF2-40B4-BE49-F238E27FC236}">
@@ -9109,7 +9674,7 @@
 </p:sld>
 </file>
 
-<file path=ppt/slides/slide26.xml><?xml version="1.0" encoding="utf-8"?>
+<file path=ppt/slides/slide28.xml><?xml version="1.0" encoding="utf-8"?>
 <p:sld xmlns:a="http://schemas.openxmlformats.org/drawingml/2006/main" xmlns:r="http://schemas.openxmlformats.org/officeDocument/2006/relationships" xmlns:p="http://schemas.openxmlformats.org/presentationml/2006/main">
   <p:cSld>
     <p:spTree>
@@ -9186,7 +9751,7 @@
 </p:sld>
 </file>
 
-<file path=ppt/slides/slide27.xml><?xml version="1.0" encoding="utf-8"?>
+<file path=ppt/slides/slide29.xml><?xml version="1.0" encoding="utf-8"?>
 <p:sld xmlns:a="http://schemas.openxmlformats.org/drawingml/2006/main" xmlns:r="http://schemas.openxmlformats.org/officeDocument/2006/relationships" xmlns:p="http://schemas.openxmlformats.org/presentationml/2006/main">
   <p:cSld>
     <p:spTree>
@@ -9558,15 +10123,15 @@
           <a:p>
             <a:pPr algn="ctr"/>
             <a:r>
-              <a:rPr lang="de-DE" sz="2000" dirty="0"/>
+              <a:rPr lang="de-DE" sz="2800" dirty="0"/>
               <a:t>Carl(a) ruft laut in die Klasse „Das ist </a:t>
             </a:r>
             <a:r>
-              <a:rPr lang="de-DE" sz="2000" dirty="0" err="1"/>
+              <a:rPr lang="de-DE" sz="2800" dirty="0" err="1"/>
               <a:t>laangweilig</a:t>
             </a:r>
             <a:r>
-              <a:rPr lang="de-DE" sz="2000" dirty="0"/>
+              <a:rPr lang="de-DE" sz="2800" dirty="0"/>
               <a:t>“.</a:t>
             </a:r>
           </a:p>
@@ -9880,15 +10445,15 @@
           <a:lstStyle/>
           <a:p>
             <a:r>
-              <a:rPr lang="de-DE" sz="2000" dirty="0"/>
+              <a:rPr lang="de-DE" sz="2800" dirty="0"/>
               <a:t>Carl(a) ruft laut in die Klasse „Das ist </a:t>
             </a:r>
             <a:r>
-              <a:rPr lang="de-DE" sz="2000" dirty="0" err="1"/>
+              <a:rPr lang="de-DE" sz="2800" dirty="0" err="1"/>
               <a:t>laangweilig</a:t>
             </a:r>
             <a:r>
-              <a:rPr lang="de-DE" sz="2000" dirty="0"/>
+              <a:rPr lang="de-DE" sz="2800" dirty="0"/>
               <a:t>“.</a:t>
             </a:r>
           </a:p>
@@ -10174,10 +10739,10 @@
           <a:lstStyle/>
           <a:p>
             <a:r>
-              <a:rPr lang="de-DE" sz="2000" dirty="0"/>
+              <a:rPr lang="de-DE" sz="2800" dirty="0"/>
               <a:t>Bianca meldet sich und schnipst laut.</a:t>
             </a:r>
-            <a:endParaRPr lang="de-DE" i="1" dirty="0"/>
+            <a:endParaRPr lang="de-DE" sz="2400" i="1" dirty="0"/>
           </a:p>
         </p:txBody>
       </p:sp>
@@ -10473,10 +11038,10 @@
           <a:lstStyle/>
           <a:p>
             <a:r>
-              <a:rPr lang="de-DE" sz="2000" dirty="0"/>
+              <a:rPr lang="de-DE" sz="2800" dirty="0"/>
               <a:t>Bianca meldet sich und schnipst laut.</a:t>
             </a:r>
-            <a:endParaRPr lang="de-DE" sz="2000" i="1" dirty="0"/>
+            <a:endParaRPr lang="de-DE" sz="2800" i="1" dirty="0"/>
           </a:p>
         </p:txBody>
       </p:sp>
@@ -10833,15 +11398,15 @@
           <a:lstStyle/>
           <a:p>
             <a:r>
-              <a:rPr lang="de-DE" sz="2000" dirty="0"/>
+              <a:rPr lang="de-DE" sz="2800" dirty="0"/>
               <a:t>Anna flüstert leise mit </a:t>
             </a:r>
             <a:r>
-              <a:rPr lang="de-DE" sz="2000" dirty="0" err="1"/>
+              <a:rPr lang="de-DE" sz="2800" dirty="0" err="1"/>
               <a:t>Banknachbar:in</a:t>
             </a:r>
             <a:r>
-              <a:rPr lang="de-DE" sz="2000" dirty="0"/>
+              <a:rPr lang="de-DE" sz="2800" dirty="0"/>
               <a:t>.</a:t>
             </a:r>
           </a:p>
